--- a/VolumetricsWater/相机Nearplane处水空交接水下体绘制.pptx
+++ b/VolumetricsWater/相机Nearplane处水空交接水下体绘制.pptx
@@ -269,7 +269,7 @@
           <a:p>
             <a:fld id="{CB2BA568-572D-4857-B57C-FFF3C529B831}" type="datetimeFigureOut">
               <a:rPr lang="zh-CN" altLang="en-US" smtClean="0"/>
-              <a:t>2019/12/30</a:t>
+              <a:t>2020/1/1</a:t>
             </a:fld>
             <a:endParaRPr lang="zh-CN" altLang="en-US"/>
           </a:p>
@@ -467,7 +467,7 @@
           <a:p>
             <a:fld id="{CB2BA568-572D-4857-B57C-FFF3C529B831}" type="datetimeFigureOut">
               <a:rPr lang="zh-CN" altLang="en-US" smtClean="0"/>
-              <a:t>2019/12/30</a:t>
+              <a:t>2020/1/1</a:t>
             </a:fld>
             <a:endParaRPr lang="zh-CN" altLang="en-US"/>
           </a:p>
@@ -675,7 +675,7 @@
           <a:p>
             <a:fld id="{CB2BA568-572D-4857-B57C-FFF3C529B831}" type="datetimeFigureOut">
               <a:rPr lang="zh-CN" altLang="en-US" smtClean="0"/>
-              <a:t>2019/12/30</a:t>
+              <a:t>2020/1/1</a:t>
             </a:fld>
             <a:endParaRPr lang="zh-CN" altLang="en-US"/>
           </a:p>
@@ -873,7 +873,7 @@
           <a:p>
             <a:fld id="{CB2BA568-572D-4857-B57C-FFF3C529B831}" type="datetimeFigureOut">
               <a:rPr lang="zh-CN" altLang="en-US" smtClean="0"/>
-              <a:t>2019/12/30</a:t>
+              <a:t>2020/1/1</a:t>
             </a:fld>
             <a:endParaRPr lang="zh-CN" altLang="en-US"/>
           </a:p>
@@ -1148,7 +1148,7 @@
           <a:p>
             <a:fld id="{CB2BA568-572D-4857-B57C-FFF3C529B831}" type="datetimeFigureOut">
               <a:rPr lang="zh-CN" altLang="en-US" smtClean="0"/>
-              <a:t>2019/12/30</a:t>
+              <a:t>2020/1/1</a:t>
             </a:fld>
             <a:endParaRPr lang="zh-CN" altLang="en-US"/>
           </a:p>
@@ -1413,7 +1413,7 @@
           <a:p>
             <a:fld id="{CB2BA568-572D-4857-B57C-FFF3C529B831}" type="datetimeFigureOut">
               <a:rPr lang="zh-CN" altLang="en-US" smtClean="0"/>
-              <a:t>2019/12/30</a:t>
+              <a:t>2020/1/1</a:t>
             </a:fld>
             <a:endParaRPr lang="zh-CN" altLang="en-US"/>
           </a:p>
@@ -1825,7 +1825,7 @@
           <a:p>
             <a:fld id="{CB2BA568-572D-4857-B57C-FFF3C529B831}" type="datetimeFigureOut">
               <a:rPr lang="zh-CN" altLang="en-US" smtClean="0"/>
-              <a:t>2019/12/30</a:t>
+              <a:t>2020/1/1</a:t>
             </a:fld>
             <a:endParaRPr lang="zh-CN" altLang="en-US"/>
           </a:p>
@@ -1966,7 +1966,7 @@
           <a:p>
             <a:fld id="{CB2BA568-572D-4857-B57C-FFF3C529B831}" type="datetimeFigureOut">
               <a:rPr lang="zh-CN" altLang="en-US" smtClean="0"/>
-              <a:t>2019/12/30</a:t>
+              <a:t>2020/1/1</a:t>
             </a:fld>
             <a:endParaRPr lang="zh-CN" altLang="en-US"/>
           </a:p>
@@ -2079,7 +2079,7 @@
           <a:p>
             <a:fld id="{CB2BA568-572D-4857-B57C-FFF3C529B831}" type="datetimeFigureOut">
               <a:rPr lang="zh-CN" altLang="en-US" smtClean="0"/>
-              <a:t>2019/12/30</a:t>
+              <a:t>2020/1/1</a:t>
             </a:fld>
             <a:endParaRPr lang="zh-CN" altLang="en-US"/>
           </a:p>
@@ -2390,7 +2390,7 @@
           <a:p>
             <a:fld id="{CB2BA568-572D-4857-B57C-FFF3C529B831}" type="datetimeFigureOut">
               <a:rPr lang="zh-CN" altLang="en-US" smtClean="0"/>
-              <a:t>2019/12/30</a:t>
+              <a:t>2020/1/1</a:t>
             </a:fld>
             <a:endParaRPr lang="zh-CN" altLang="en-US"/>
           </a:p>
@@ -2678,7 +2678,7 @@
           <a:p>
             <a:fld id="{CB2BA568-572D-4857-B57C-FFF3C529B831}" type="datetimeFigureOut">
               <a:rPr lang="zh-CN" altLang="en-US" smtClean="0"/>
-              <a:t>2019/12/30</a:t>
+              <a:t>2020/1/1</a:t>
             </a:fld>
             <a:endParaRPr lang="zh-CN" altLang="en-US"/>
           </a:p>
@@ -2919,7 +2919,7 @@
           <a:p>
             <a:fld id="{CB2BA568-572D-4857-B57C-FFF3C529B831}" type="datetimeFigureOut">
               <a:rPr lang="zh-CN" altLang="en-US" smtClean="0"/>
-              <a:t>2019/12/30</a:t>
+              <a:t>2020/1/1</a:t>
             </a:fld>
             <a:endParaRPr lang="zh-CN" altLang="en-US"/>
           </a:p>
@@ -3410,9 +3410,10 @@
               <a:t>  </a:t>
             </a:r>
             <a:r>
-              <a:rPr lang="en-US" altLang="zh-CN" dirty="0"/>
-              <a:t>2019-3-20</a:t>
-            </a:r>
+              <a:rPr lang="en-US" altLang="zh-CN"/>
+              <a:t>2020-1-1</a:t>
+            </a:r>
+            <a:endParaRPr lang="en-US" altLang="zh-CN" dirty="0"/>
           </a:p>
           <a:p>
             <a:r>
